--- a/BD Technical Presentation.pptx
+++ b/BD Technical Presentation.pptx
@@ -33,23 +33,26 @@
     <p:sldId id="278" r:id="rId29"/>
     <p:sldId id="279" r:id="rId30"/>
     <p:sldId id="280" r:id="rId31"/>
+    <p:sldId id="281" r:id="rId32"/>
+    <p:sldId id="282" r:id="rId33"/>
+    <p:sldId id="283" r:id="rId34"/>
   </p:sldIdLst>
   <p:sldSz cy="5143500" cx="9144000"/>
   <p:notesSz cx="6858000" cy="9144000"/>
   <p:embeddedFontLst>
     <p:embeddedFont>
       <p:font typeface="Montserrat"/>
-      <p:regular r:id="rId32"/>
-      <p:bold r:id="rId33"/>
-      <p:italic r:id="rId34"/>
-      <p:boldItalic r:id="rId35"/>
+      <p:regular r:id="rId35"/>
+      <p:bold r:id="rId36"/>
+      <p:italic r:id="rId37"/>
+      <p:boldItalic r:id="rId38"/>
     </p:embeddedFont>
     <p:embeddedFont>
       <p:font typeface="Lato"/>
-      <p:regular r:id="rId36"/>
-      <p:bold r:id="rId37"/>
-      <p:italic r:id="rId38"/>
-      <p:boldItalic r:id="rId39"/>
+      <p:regular r:id="rId39"/>
+      <p:bold r:id="rId40"/>
+      <p:italic r:id="rId41"/>
+      <p:boldItalic r:id="rId42"/>
     </p:embeddedFont>
   </p:embeddedFontLst>
   <p:defaultTextStyle>
@@ -2131,7 +2134,7 @@
       </p:grpSpPr>
       <p:sp>
         <p:nvSpPr>
-          <p:cNvPr id="240" name="Google Shape;240;g2445e6cceba_0_38:notes"/>
+          <p:cNvPr id="240" name="Google Shape;240;g245f18dcb69_0_1:notes"/>
           <p:cNvSpPr/>
           <p:nvPr>
             <p:ph idx="2" type="sldImg"/>
@@ -2166,7 +2169,7 @@
       </p:sp>
       <p:sp>
         <p:nvSpPr>
-          <p:cNvPr id="241" name="Google Shape;241;g2445e6cceba_0_38:notes"/>
+          <p:cNvPr id="241" name="Google Shape;241;g245f18dcb69_0_1:notes"/>
           <p:cNvSpPr txBox="1"/>
           <p:nvPr>
             <p:ph idx="1" type="body"/>
@@ -2230,7 +2233,7 @@
       </p:grpSpPr>
       <p:sp>
         <p:nvSpPr>
-          <p:cNvPr id="245" name="Google Shape;245;g2445e6cceba_0_45:notes"/>
+          <p:cNvPr id="245" name="Google Shape;245;g245f18dcb69_0_11:notes"/>
           <p:cNvSpPr/>
           <p:nvPr>
             <p:ph idx="2" type="sldImg"/>
@@ -2265,7 +2268,7 @@
       </p:sp>
       <p:sp>
         <p:nvSpPr>
-          <p:cNvPr id="246" name="Google Shape;246;g2445e6cceba_0_45:notes"/>
+          <p:cNvPr id="246" name="Google Shape;246;g245f18dcb69_0_11:notes"/>
           <p:cNvSpPr txBox="1"/>
           <p:nvPr>
             <p:ph idx="1" type="body"/>
@@ -2315,7 +2318,7 @@
   <p:cSld>
     <p:spTree>
       <p:nvGrpSpPr>
-        <p:cNvPr id="249" name="Shape 249"/>
+        <p:cNvPr id="250" name="Shape 250"/>
         <p:cNvGrpSpPr/>
         <p:nvPr/>
       </p:nvGrpSpPr>
@@ -2329,7 +2332,7 @@
       </p:grpSpPr>
       <p:sp>
         <p:nvSpPr>
-          <p:cNvPr id="250" name="Google Shape;250;g2447350ba85_0_54:notes"/>
+          <p:cNvPr id="251" name="Google Shape;251;g245f18dcb69_0_20:notes"/>
           <p:cNvSpPr/>
           <p:nvPr>
             <p:ph idx="2" type="sldImg"/>
@@ -2364,7 +2367,7 @@
       </p:sp>
       <p:sp>
         <p:nvSpPr>
-          <p:cNvPr id="251" name="Google Shape;251;g2447350ba85_0_54:notes"/>
+          <p:cNvPr id="252" name="Google Shape;252;g245f18dcb69_0_20:notes"/>
           <p:cNvSpPr txBox="1"/>
           <p:nvPr>
             <p:ph idx="1" type="body"/>
@@ -2414,7 +2417,7 @@
   <p:cSld>
     <p:spTree>
       <p:nvGrpSpPr>
-        <p:cNvPr id="254" name="Shape 254"/>
+        <p:cNvPr id="255" name="Shape 255"/>
         <p:cNvGrpSpPr/>
         <p:nvPr/>
       </p:nvGrpSpPr>
@@ -2428,7 +2431,7 @@
       </p:grpSpPr>
       <p:sp>
         <p:nvSpPr>
-          <p:cNvPr id="255" name="Google Shape;255;g2403fd02204_6_5:notes"/>
+          <p:cNvPr id="256" name="Google Shape;256;g245f18dcb69_0_26:notes"/>
           <p:cNvSpPr/>
           <p:nvPr>
             <p:ph idx="2" type="sldImg"/>
@@ -2463,7 +2466,304 @@
       </p:sp>
       <p:sp>
         <p:nvSpPr>
-          <p:cNvPr id="256" name="Google Shape;256;g2403fd02204_6_5:notes"/>
+          <p:cNvPr id="257" name="Google Shape;257;g245f18dcb69_0_26:notes"/>
+          <p:cNvSpPr txBox="1"/>
+          <p:nvPr>
+            <p:ph idx="1" type="body"/>
+          </p:nvPr>
+        </p:nvSpPr>
+        <p:spPr>
+          <a:xfrm>
+            <a:off x="685800" y="4343400"/>
+            <a:ext cx="5486400" cy="4114800"/>
+          </a:xfrm>
+          <a:prstGeom prst="rect">
+            <a:avLst/>
+          </a:prstGeom>
+        </p:spPr>
+        <p:txBody>
+          <a:bodyPr anchorCtr="0" anchor="t" bIns="91425" lIns="91425" spcFirstLastPara="1" rIns="91425" wrap="square" tIns="91425">
+            <a:noAutofit/>
+          </a:bodyPr>
+          <a:lstStyle/>
+          <a:p>
+            <a:pPr indent="0" lvl="0" marL="0" rtl="0" algn="l">
+              <a:spcBef>
+                <a:spcPts val="0"/>
+              </a:spcBef>
+              <a:spcAft>
+                <a:spcPts val="0"/>
+              </a:spcAft>
+              <a:buNone/>
+            </a:pPr>
+            <a:r>
+              <a:t/>
+            </a:r>
+            <a:endParaRPr/>
+          </a:p>
+        </p:txBody>
+      </p:sp>
+    </p:spTree>
+  </p:cSld>
+  <p:clrMapOvr>
+    <a:masterClrMapping/>
+  </p:clrMapOvr>
+</p:notes>
+</file>
+
+<file path=ppt/notesSlides/notesSlide26.xml><?xml version="1.0" encoding="utf-8"?>
+<p:notes xmlns:a="http://schemas.openxmlformats.org/drawingml/2006/main" xmlns:r="http://schemas.openxmlformats.org/officeDocument/2006/relationships" xmlns:mc="http://schemas.openxmlformats.org/markup-compatibility/2006" xmlns:mv="urn:schemas-microsoft-com:mac:vml" xmlns:p="http://schemas.openxmlformats.org/presentationml/2006/main" xmlns:c="http://schemas.openxmlformats.org/drawingml/2006/chart" xmlns:dgm="http://schemas.openxmlformats.org/drawingml/2006/diagram" xmlns:o="urn:schemas-microsoft-com:office:office" xmlns:v="urn:schemas-microsoft-com:vml" xmlns:pvml="urn:schemas-microsoft-com:office:powerpoint" xmlns:com="http://schemas.openxmlformats.org/drawingml/2006/compatibility" xmlns:p14="http://schemas.microsoft.com/office/powerpoint/2010/main" xmlns:p15="http://schemas.microsoft.com/office/powerpoint/2012/main" xmlns:ahyp="http://schemas.microsoft.com/office/drawing/2018/hyperlinkcolor" showMasterPhAnim="0" showMasterSp="0">
+  <p:cSld>
+    <p:spTree>
+      <p:nvGrpSpPr>
+        <p:cNvPr id="260" name="Shape 260"/>
+        <p:cNvGrpSpPr/>
+        <p:nvPr/>
+      </p:nvGrpSpPr>
+      <p:grpSpPr>
+        <a:xfrm>
+          <a:off x="0" y="0"/>
+          <a:ext cx="0" cy="0"/>
+          <a:chOff x="0" y="0"/>
+          <a:chExt cx="0" cy="0"/>
+        </a:xfrm>
+      </p:grpSpPr>
+      <p:sp>
+        <p:nvSpPr>
+          <p:cNvPr id="261" name="Google Shape;261;g2445e6cceba_0_45:notes"/>
+          <p:cNvSpPr/>
+          <p:nvPr>
+            <p:ph idx="2" type="sldImg"/>
+          </p:nvPr>
+        </p:nvSpPr>
+        <p:spPr>
+          <a:xfrm>
+            <a:off x="381300" y="685800"/>
+            <a:ext cx="6096000" cy="3429000"/>
+          </a:xfrm>
+          <a:custGeom>
+            <a:rect b="b" l="l" r="r" t="t"/>
+            <a:pathLst>
+              <a:path extrusionOk="0" h="120000" w="120000">
+                <a:moveTo>
+                  <a:pt x="0" y="0"/>
+                </a:moveTo>
+                <a:lnTo>
+                  <a:pt x="120000" y="0"/>
+                </a:lnTo>
+                <a:lnTo>
+                  <a:pt x="120000" y="120000"/>
+                </a:lnTo>
+                <a:lnTo>
+                  <a:pt x="0" y="120000"/>
+                </a:lnTo>
+                <a:close/>
+              </a:path>
+            </a:pathLst>
+          </a:custGeom>
+        </p:spPr>
+      </p:sp>
+      <p:sp>
+        <p:nvSpPr>
+          <p:cNvPr id="262" name="Google Shape;262;g2445e6cceba_0_45:notes"/>
+          <p:cNvSpPr txBox="1"/>
+          <p:nvPr>
+            <p:ph idx="1" type="body"/>
+          </p:nvPr>
+        </p:nvSpPr>
+        <p:spPr>
+          <a:xfrm>
+            <a:off x="685800" y="4343400"/>
+            <a:ext cx="5486400" cy="4114800"/>
+          </a:xfrm>
+          <a:prstGeom prst="rect">
+            <a:avLst/>
+          </a:prstGeom>
+        </p:spPr>
+        <p:txBody>
+          <a:bodyPr anchorCtr="0" anchor="t" bIns="91425" lIns="91425" spcFirstLastPara="1" rIns="91425" wrap="square" tIns="91425">
+            <a:noAutofit/>
+          </a:bodyPr>
+          <a:lstStyle/>
+          <a:p>
+            <a:pPr indent="0" lvl="0" marL="0" rtl="0" algn="l">
+              <a:spcBef>
+                <a:spcPts val="0"/>
+              </a:spcBef>
+              <a:spcAft>
+                <a:spcPts val="0"/>
+              </a:spcAft>
+              <a:buNone/>
+            </a:pPr>
+            <a:r>
+              <a:t/>
+            </a:r>
+            <a:endParaRPr/>
+          </a:p>
+        </p:txBody>
+      </p:sp>
+    </p:spTree>
+  </p:cSld>
+  <p:clrMapOvr>
+    <a:masterClrMapping/>
+  </p:clrMapOvr>
+</p:notes>
+</file>
+
+<file path=ppt/notesSlides/notesSlide27.xml><?xml version="1.0" encoding="utf-8"?>
+<p:notes xmlns:a="http://schemas.openxmlformats.org/drawingml/2006/main" xmlns:r="http://schemas.openxmlformats.org/officeDocument/2006/relationships" xmlns:mc="http://schemas.openxmlformats.org/markup-compatibility/2006" xmlns:mv="urn:schemas-microsoft-com:mac:vml" xmlns:p="http://schemas.openxmlformats.org/presentationml/2006/main" xmlns:c="http://schemas.openxmlformats.org/drawingml/2006/chart" xmlns:dgm="http://schemas.openxmlformats.org/drawingml/2006/diagram" xmlns:o="urn:schemas-microsoft-com:office:office" xmlns:v="urn:schemas-microsoft-com:vml" xmlns:pvml="urn:schemas-microsoft-com:office:powerpoint" xmlns:com="http://schemas.openxmlformats.org/drawingml/2006/compatibility" xmlns:p14="http://schemas.microsoft.com/office/powerpoint/2010/main" xmlns:p15="http://schemas.microsoft.com/office/powerpoint/2012/main" xmlns:ahyp="http://schemas.microsoft.com/office/drawing/2018/hyperlinkcolor" showMasterPhAnim="0" showMasterSp="0">
+  <p:cSld>
+    <p:spTree>
+      <p:nvGrpSpPr>
+        <p:cNvPr id="265" name="Shape 265"/>
+        <p:cNvGrpSpPr/>
+        <p:nvPr/>
+      </p:nvGrpSpPr>
+      <p:grpSpPr>
+        <a:xfrm>
+          <a:off x="0" y="0"/>
+          <a:ext cx="0" cy="0"/>
+          <a:chOff x="0" y="0"/>
+          <a:chExt cx="0" cy="0"/>
+        </a:xfrm>
+      </p:grpSpPr>
+      <p:sp>
+        <p:nvSpPr>
+          <p:cNvPr id="266" name="Google Shape;266;g2447350ba85_0_54:notes"/>
+          <p:cNvSpPr/>
+          <p:nvPr>
+            <p:ph idx="2" type="sldImg"/>
+          </p:nvPr>
+        </p:nvSpPr>
+        <p:spPr>
+          <a:xfrm>
+            <a:off x="381300" y="685800"/>
+            <a:ext cx="6096000" cy="3429000"/>
+          </a:xfrm>
+          <a:custGeom>
+            <a:rect b="b" l="l" r="r" t="t"/>
+            <a:pathLst>
+              <a:path extrusionOk="0" h="120000" w="120000">
+                <a:moveTo>
+                  <a:pt x="0" y="0"/>
+                </a:moveTo>
+                <a:lnTo>
+                  <a:pt x="120000" y="0"/>
+                </a:lnTo>
+                <a:lnTo>
+                  <a:pt x="120000" y="120000"/>
+                </a:lnTo>
+                <a:lnTo>
+                  <a:pt x="0" y="120000"/>
+                </a:lnTo>
+                <a:close/>
+              </a:path>
+            </a:pathLst>
+          </a:custGeom>
+        </p:spPr>
+      </p:sp>
+      <p:sp>
+        <p:nvSpPr>
+          <p:cNvPr id="267" name="Google Shape;267;g2447350ba85_0_54:notes"/>
+          <p:cNvSpPr txBox="1"/>
+          <p:nvPr>
+            <p:ph idx="1" type="body"/>
+          </p:nvPr>
+        </p:nvSpPr>
+        <p:spPr>
+          <a:xfrm>
+            <a:off x="685800" y="4343400"/>
+            <a:ext cx="5486400" cy="4114800"/>
+          </a:xfrm>
+          <a:prstGeom prst="rect">
+            <a:avLst/>
+          </a:prstGeom>
+        </p:spPr>
+        <p:txBody>
+          <a:bodyPr anchorCtr="0" anchor="t" bIns="91425" lIns="91425" spcFirstLastPara="1" rIns="91425" wrap="square" tIns="91425">
+            <a:noAutofit/>
+          </a:bodyPr>
+          <a:lstStyle/>
+          <a:p>
+            <a:pPr indent="0" lvl="0" marL="0" rtl="0" algn="l">
+              <a:spcBef>
+                <a:spcPts val="0"/>
+              </a:spcBef>
+              <a:spcAft>
+                <a:spcPts val="0"/>
+              </a:spcAft>
+              <a:buNone/>
+            </a:pPr>
+            <a:r>
+              <a:t/>
+            </a:r>
+            <a:endParaRPr/>
+          </a:p>
+        </p:txBody>
+      </p:sp>
+    </p:spTree>
+  </p:cSld>
+  <p:clrMapOvr>
+    <a:masterClrMapping/>
+  </p:clrMapOvr>
+</p:notes>
+</file>
+
+<file path=ppt/notesSlides/notesSlide28.xml><?xml version="1.0" encoding="utf-8"?>
+<p:notes xmlns:a="http://schemas.openxmlformats.org/drawingml/2006/main" xmlns:r="http://schemas.openxmlformats.org/officeDocument/2006/relationships" xmlns:mc="http://schemas.openxmlformats.org/markup-compatibility/2006" xmlns:mv="urn:schemas-microsoft-com:mac:vml" xmlns:p="http://schemas.openxmlformats.org/presentationml/2006/main" xmlns:c="http://schemas.openxmlformats.org/drawingml/2006/chart" xmlns:dgm="http://schemas.openxmlformats.org/drawingml/2006/diagram" xmlns:o="urn:schemas-microsoft-com:office:office" xmlns:v="urn:schemas-microsoft-com:vml" xmlns:pvml="urn:schemas-microsoft-com:office:powerpoint" xmlns:com="http://schemas.openxmlformats.org/drawingml/2006/compatibility" xmlns:p14="http://schemas.microsoft.com/office/powerpoint/2010/main" xmlns:p15="http://schemas.microsoft.com/office/powerpoint/2012/main" xmlns:ahyp="http://schemas.microsoft.com/office/drawing/2018/hyperlinkcolor" showMasterPhAnim="0" showMasterSp="0">
+  <p:cSld>
+    <p:spTree>
+      <p:nvGrpSpPr>
+        <p:cNvPr id="270" name="Shape 270"/>
+        <p:cNvGrpSpPr/>
+        <p:nvPr/>
+      </p:nvGrpSpPr>
+      <p:grpSpPr>
+        <a:xfrm>
+          <a:off x="0" y="0"/>
+          <a:ext cx="0" cy="0"/>
+          <a:chOff x="0" y="0"/>
+          <a:chExt cx="0" cy="0"/>
+        </a:xfrm>
+      </p:grpSpPr>
+      <p:sp>
+        <p:nvSpPr>
+          <p:cNvPr id="271" name="Google Shape;271;g2403fd02204_6_5:notes"/>
+          <p:cNvSpPr/>
+          <p:nvPr>
+            <p:ph idx="2" type="sldImg"/>
+          </p:nvPr>
+        </p:nvSpPr>
+        <p:spPr>
+          <a:xfrm>
+            <a:off x="381300" y="685800"/>
+            <a:ext cx="6096000" cy="3429000"/>
+          </a:xfrm>
+          <a:custGeom>
+            <a:rect b="b" l="l" r="r" t="t"/>
+            <a:pathLst>
+              <a:path extrusionOk="0" h="120000" w="120000">
+                <a:moveTo>
+                  <a:pt x="0" y="0"/>
+                </a:moveTo>
+                <a:lnTo>
+                  <a:pt x="120000" y="0"/>
+                </a:lnTo>
+                <a:lnTo>
+                  <a:pt x="120000" y="120000"/>
+                </a:lnTo>
+                <a:lnTo>
+                  <a:pt x="0" y="120000"/>
+                </a:lnTo>
+                <a:close/>
+              </a:path>
+            </a:pathLst>
+          </a:custGeom>
+        </p:spPr>
+      </p:sp>
+      <p:sp>
+        <p:nvSpPr>
+          <p:cNvPr id="272" name="Google Shape;272;g2403fd02204_6_5:notes"/>
           <p:cNvSpPr txBox="1"/>
           <p:nvPr>
             <p:ph idx="1" type="body"/>
@@ -12747,7 +13047,7 @@
           <p:nvPr/>
         </p:nvGraphicFramePr>
         <p:xfrm>
-          <a:off x="952500" y="1619250"/>
+          <a:off x="952500" y="1249125"/>
           <a:ext cx="3000000" cy="3000000"/>
         </p:xfrm>
         <a:graphic>
@@ -12755,11 +13055,11 @@
             <a:tbl>
               <a:tblPr>
                 <a:noFill/>
-                <a:tableStyleId>{F63C43F3-21BC-416D-A21C-7594EB97DB0A}</a:tableStyleId>
+                <a:tableStyleId>{1DFA9B7A-36BC-4E31-93C0-95DA67E965CF}</a:tableStyleId>
               </a:tblPr>
               <a:tblGrid>
-                <a:gridCol w="2717475"/>
-                <a:gridCol w="2108525"/>
+                <a:gridCol w="2630475"/>
+                <a:gridCol w="2195525"/>
                 <a:gridCol w="2413000"/>
               </a:tblGrid>
               <a:tr h="381000">
@@ -12803,7 +13103,44 @@
                       </a:endParaRPr>
                     </a:p>
                   </a:txBody>
-                  <a:tcPr marT="91425" marB="91425" marR="91425" marL="91425"/>
+                  <a:tcPr marT="91425" marB="91425" marR="91425" marL="91425">
+                    <a:lnL cap="flat" cmpd="sng" w="9525">
+                      <a:solidFill>
+                        <a:srgbClr val="9E9E9E"/>
+                      </a:solidFill>
+                      <a:prstDash val="solid"/>
+                      <a:round/>
+                      <a:headEnd len="sm" w="sm" type="none"/>
+                      <a:tailEnd len="sm" w="sm" type="none"/>
+                    </a:lnL>
+                    <a:lnR cap="flat" cmpd="sng" w="9525">
+                      <a:solidFill>
+                        <a:srgbClr val="9E9E9E"/>
+                      </a:solidFill>
+                      <a:prstDash val="solid"/>
+                      <a:round/>
+                      <a:headEnd len="sm" w="sm" type="none"/>
+                      <a:tailEnd len="sm" w="sm" type="none"/>
+                    </a:lnR>
+                    <a:lnT cap="flat" cmpd="sng" w="9525">
+                      <a:solidFill>
+                        <a:srgbClr val="9E9E9E"/>
+                      </a:solidFill>
+                      <a:prstDash val="solid"/>
+                      <a:round/>
+                      <a:headEnd len="sm" w="sm" type="none"/>
+                      <a:tailEnd len="sm" w="sm" type="none"/>
+                    </a:lnT>
+                    <a:lnB cap="flat" cmpd="sng" w="9525">
+                      <a:solidFill>
+                        <a:srgbClr val="9E9E9E"/>
+                      </a:solidFill>
+                      <a:prstDash val="solid"/>
+                      <a:round/>
+                      <a:headEnd len="sm" w="sm" type="none"/>
+                      <a:tailEnd len="sm" w="sm" type="none"/>
+                    </a:lnB>
+                  </a:tcPr>
                 </a:tc>
                 <a:tc>
                   <a:txBody>
@@ -12834,7 +13171,44 @@
                       <a:endParaRPr/>
                     </a:p>
                   </a:txBody>
-                  <a:tcPr marT="91425" marB="91425" marR="91425" marL="91425"/>
+                  <a:tcPr marT="91425" marB="91425" marR="91425" marL="91425">
+                    <a:lnL cap="flat" cmpd="sng" w="9525">
+                      <a:solidFill>
+                        <a:srgbClr val="9E9E9E"/>
+                      </a:solidFill>
+                      <a:prstDash val="solid"/>
+                      <a:round/>
+                      <a:headEnd len="sm" w="sm" type="none"/>
+                      <a:tailEnd len="sm" w="sm" type="none"/>
+                    </a:lnL>
+                    <a:lnR cap="flat" cmpd="sng" w="9525">
+                      <a:solidFill>
+                        <a:srgbClr val="9E9E9E"/>
+                      </a:solidFill>
+                      <a:prstDash val="solid"/>
+                      <a:round/>
+                      <a:headEnd len="sm" w="sm" type="none"/>
+                      <a:tailEnd len="sm" w="sm" type="none"/>
+                    </a:lnR>
+                    <a:lnT cap="flat" cmpd="sng" w="9525">
+                      <a:solidFill>
+                        <a:srgbClr val="9E9E9E"/>
+                      </a:solidFill>
+                      <a:prstDash val="solid"/>
+                      <a:round/>
+                      <a:headEnd len="sm" w="sm" type="none"/>
+                      <a:tailEnd len="sm" w="sm" type="none"/>
+                    </a:lnT>
+                    <a:lnB cap="flat" cmpd="sng" w="9525">
+                      <a:solidFill>
+                        <a:srgbClr val="9E9E9E"/>
+                      </a:solidFill>
+                      <a:prstDash val="solid"/>
+                      <a:round/>
+                      <a:headEnd len="sm" w="sm" type="none"/>
+                      <a:tailEnd len="sm" w="sm" type="none"/>
+                    </a:lnB>
+                  </a:tcPr>
                 </a:tc>
                 <a:tc>
                   <a:txBody>
@@ -12869,7 +13243,44 @@
                       </a:endParaRPr>
                     </a:p>
                   </a:txBody>
-                  <a:tcPr marT="91425" marB="91425" marR="91425" marL="91425"/>
+                  <a:tcPr marT="91425" marB="91425" marR="91425" marL="91425">
+                    <a:lnL cap="flat" cmpd="sng" w="9525">
+                      <a:solidFill>
+                        <a:srgbClr val="9E9E9E"/>
+                      </a:solidFill>
+                      <a:prstDash val="solid"/>
+                      <a:round/>
+                      <a:headEnd len="sm" w="sm" type="none"/>
+                      <a:tailEnd len="sm" w="sm" type="none"/>
+                    </a:lnL>
+                    <a:lnR cap="flat" cmpd="sng" w="9525">
+                      <a:solidFill>
+                        <a:srgbClr val="9E9E9E"/>
+                      </a:solidFill>
+                      <a:prstDash val="solid"/>
+                      <a:round/>
+                      <a:headEnd len="sm" w="sm" type="none"/>
+                      <a:tailEnd len="sm" w="sm" type="none"/>
+                    </a:lnR>
+                    <a:lnT cap="flat" cmpd="sng" w="9525">
+                      <a:solidFill>
+                        <a:srgbClr val="9E9E9E"/>
+                      </a:solidFill>
+                      <a:prstDash val="solid"/>
+                      <a:round/>
+                      <a:headEnd len="sm" w="sm" type="none"/>
+                      <a:tailEnd len="sm" w="sm" type="none"/>
+                    </a:lnT>
+                    <a:lnB cap="flat" cmpd="sng" w="9525">
+                      <a:solidFill>
+                        <a:srgbClr val="9E9E9E"/>
+                      </a:solidFill>
+                      <a:prstDash val="solid"/>
+                      <a:round/>
+                      <a:headEnd len="sm" w="sm" type="none"/>
+                      <a:tailEnd len="sm" w="sm" type="none"/>
+                    </a:lnB>
+                  </a:tcPr>
                 </a:tc>
               </a:tr>
               <a:tr h="381000">
@@ -12905,7 +13316,44 @@
                       <a:endParaRPr/>
                     </a:p>
                   </a:txBody>
-                  <a:tcPr marT="91425" marB="91425" marR="91425" marL="91425"/>
+                  <a:tcPr marT="91425" marB="91425" marR="91425" marL="91425">
+                    <a:lnL cap="flat" cmpd="sng" w="9525">
+                      <a:solidFill>
+                        <a:srgbClr val="9E9E9E"/>
+                      </a:solidFill>
+                      <a:prstDash val="solid"/>
+                      <a:round/>
+                      <a:headEnd len="sm" w="sm" type="none"/>
+                      <a:tailEnd len="sm" w="sm" type="none"/>
+                    </a:lnL>
+                    <a:lnR cap="flat" cmpd="sng" w="9525">
+                      <a:solidFill>
+                        <a:srgbClr val="9E9E9E"/>
+                      </a:solidFill>
+                      <a:prstDash val="solid"/>
+                      <a:round/>
+                      <a:headEnd len="sm" w="sm" type="none"/>
+                      <a:tailEnd len="sm" w="sm" type="none"/>
+                    </a:lnR>
+                    <a:lnT cap="flat" cmpd="sng" w="9525">
+                      <a:solidFill>
+                        <a:srgbClr val="9E9E9E"/>
+                      </a:solidFill>
+                      <a:prstDash val="solid"/>
+                      <a:round/>
+                      <a:headEnd len="sm" w="sm" type="none"/>
+                      <a:tailEnd len="sm" w="sm" type="none"/>
+                    </a:lnT>
+                    <a:lnB cap="flat" cmpd="sng" w="9525">
+                      <a:solidFill>
+                        <a:srgbClr val="9E9E9E"/>
+                      </a:solidFill>
+                      <a:prstDash val="solid"/>
+                      <a:round/>
+                      <a:headEnd len="sm" w="sm" type="none"/>
+                      <a:tailEnd len="sm" w="sm" type="none"/>
+                    </a:lnB>
+                  </a:tcPr>
                 </a:tc>
                 <a:tc>
                   <a:txBody>
@@ -12936,7 +13384,44 @@
                       </a:endParaRPr>
                     </a:p>
                   </a:txBody>
-                  <a:tcPr marT="91425" marB="91425" marR="91425" marL="91425"/>
+                  <a:tcPr marT="91425" marB="91425" marR="91425" marL="91425">
+                    <a:lnL cap="flat" cmpd="sng" w="9525">
+                      <a:solidFill>
+                        <a:srgbClr val="9E9E9E"/>
+                      </a:solidFill>
+                      <a:prstDash val="solid"/>
+                      <a:round/>
+                      <a:headEnd len="sm" w="sm" type="none"/>
+                      <a:tailEnd len="sm" w="sm" type="none"/>
+                    </a:lnL>
+                    <a:lnR cap="flat" cmpd="sng" w="9525">
+                      <a:solidFill>
+                        <a:srgbClr val="9E9E9E"/>
+                      </a:solidFill>
+                      <a:prstDash val="solid"/>
+                      <a:round/>
+                      <a:headEnd len="sm" w="sm" type="none"/>
+                      <a:tailEnd len="sm" w="sm" type="none"/>
+                    </a:lnR>
+                    <a:lnT cap="flat" cmpd="sng" w="9525">
+                      <a:solidFill>
+                        <a:srgbClr val="9E9E9E"/>
+                      </a:solidFill>
+                      <a:prstDash val="solid"/>
+                      <a:round/>
+                      <a:headEnd len="sm" w="sm" type="none"/>
+                      <a:tailEnd len="sm" w="sm" type="none"/>
+                    </a:lnT>
+                    <a:lnB cap="flat" cmpd="sng" w="9525">
+                      <a:solidFill>
+                        <a:srgbClr val="9E9E9E"/>
+                      </a:solidFill>
+                      <a:prstDash val="solid"/>
+                      <a:round/>
+                      <a:headEnd len="sm" w="sm" type="none"/>
+                      <a:tailEnd len="sm" w="sm" type="none"/>
+                    </a:lnB>
+                  </a:tcPr>
                 </a:tc>
                 <a:tc>
                   <a:txBody>
@@ -12967,7 +13452,44 @@
                       </a:endParaRPr>
                     </a:p>
                   </a:txBody>
-                  <a:tcPr marT="91425" marB="91425" marR="91425" marL="91425"/>
+                  <a:tcPr marT="91425" marB="91425" marR="91425" marL="91425">
+                    <a:lnL cap="flat" cmpd="sng" w="9525">
+                      <a:solidFill>
+                        <a:srgbClr val="9E9E9E"/>
+                      </a:solidFill>
+                      <a:prstDash val="solid"/>
+                      <a:round/>
+                      <a:headEnd len="sm" w="sm" type="none"/>
+                      <a:tailEnd len="sm" w="sm" type="none"/>
+                    </a:lnL>
+                    <a:lnR cap="flat" cmpd="sng" w="9525">
+                      <a:solidFill>
+                        <a:srgbClr val="9E9E9E"/>
+                      </a:solidFill>
+                      <a:prstDash val="solid"/>
+                      <a:round/>
+                      <a:headEnd len="sm" w="sm" type="none"/>
+                      <a:tailEnd len="sm" w="sm" type="none"/>
+                    </a:lnR>
+                    <a:lnT cap="flat" cmpd="sng" w="9525">
+                      <a:solidFill>
+                        <a:srgbClr val="9E9E9E"/>
+                      </a:solidFill>
+                      <a:prstDash val="solid"/>
+                      <a:round/>
+                      <a:headEnd len="sm" w="sm" type="none"/>
+                      <a:tailEnd len="sm" w="sm" type="none"/>
+                    </a:lnT>
+                    <a:lnB cap="flat" cmpd="sng" w="9525">
+                      <a:solidFill>
+                        <a:srgbClr val="9E9E9E"/>
+                      </a:solidFill>
+                      <a:prstDash val="solid"/>
+                      <a:round/>
+                      <a:headEnd len="sm" w="sm" type="none"/>
+                      <a:tailEnd len="sm" w="sm" type="none"/>
+                    </a:lnB>
+                  </a:tcPr>
                 </a:tc>
               </a:tr>
               <a:tr h="381000">
@@ -13003,7 +13525,44 @@
                       <a:endParaRPr/>
                     </a:p>
                   </a:txBody>
-                  <a:tcPr marT="91425" marB="91425" marR="91425" marL="91425"/>
+                  <a:tcPr marT="91425" marB="91425" marR="91425" marL="91425">
+                    <a:lnL cap="flat" cmpd="sng" w="9525">
+                      <a:solidFill>
+                        <a:srgbClr val="9E9E9E"/>
+                      </a:solidFill>
+                      <a:prstDash val="solid"/>
+                      <a:round/>
+                      <a:headEnd len="sm" w="sm" type="none"/>
+                      <a:tailEnd len="sm" w="sm" type="none"/>
+                    </a:lnL>
+                    <a:lnR cap="flat" cmpd="sng" w="9525">
+                      <a:solidFill>
+                        <a:srgbClr val="9E9E9E"/>
+                      </a:solidFill>
+                      <a:prstDash val="solid"/>
+                      <a:round/>
+                      <a:headEnd len="sm" w="sm" type="none"/>
+                      <a:tailEnd len="sm" w="sm" type="none"/>
+                    </a:lnR>
+                    <a:lnT cap="flat" cmpd="sng" w="9525">
+                      <a:solidFill>
+                        <a:srgbClr val="9E9E9E"/>
+                      </a:solidFill>
+                      <a:prstDash val="solid"/>
+                      <a:round/>
+                      <a:headEnd len="sm" w="sm" type="none"/>
+                      <a:tailEnd len="sm" w="sm" type="none"/>
+                    </a:lnT>
+                    <a:lnB cap="flat" cmpd="sng" w="9525">
+                      <a:solidFill>
+                        <a:srgbClr val="9E9E9E"/>
+                      </a:solidFill>
+                      <a:prstDash val="solid"/>
+                      <a:round/>
+                      <a:headEnd len="sm" w="sm" type="none"/>
+                      <a:tailEnd len="sm" w="sm" type="none"/>
+                    </a:lnB>
+                  </a:tcPr>
                 </a:tc>
                 <a:tc>
                   <a:txBody>
@@ -13034,7 +13593,44 @@
                       </a:endParaRPr>
                     </a:p>
                   </a:txBody>
-                  <a:tcPr marT="91425" marB="91425" marR="91425" marL="91425"/>
+                  <a:tcPr marT="91425" marB="91425" marR="91425" marL="91425">
+                    <a:lnL cap="flat" cmpd="sng" w="9525">
+                      <a:solidFill>
+                        <a:srgbClr val="9E9E9E"/>
+                      </a:solidFill>
+                      <a:prstDash val="solid"/>
+                      <a:round/>
+                      <a:headEnd len="sm" w="sm" type="none"/>
+                      <a:tailEnd len="sm" w="sm" type="none"/>
+                    </a:lnL>
+                    <a:lnR cap="flat" cmpd="sng" w="9525">
+                      <a:solidFill>
+                        <a:srgbClr val="9E9E9E"/>
+                      </a:solidFill>
+                      <a:prstDash val="solid"/>
+                      <a:round/>
+                      <a:headEnd len="sm" w="sm" type="none"/>
+                      <a:tailEnd len="sm" w="sm" type="none"/>
+                    </a:lnR>
+                    <a:lnT cap="flat" cmpd="sng" w="9525">
+                      <a:solidFill>
+                        <a:srgbClr val="9E9E9E"/>
+                      </a:solidFill>
+                      <a:prstDash val="solid"/>
+                      <a:round/>
+                      <a:headEnd len="sm" w="sm" type="none"/>
+                      <a:tailEnd len="sm" w="sm" type="none"/>
+                    </a:lnT>
+                    <a:lnB cap="flat" cmpd="sng" w="9525">
+                      <a:solidFill>
+                        <a:srgbClr val="9E9E9E"/>
+                      </a:solidFill>
+                      <a:prstDash val="solid"/>
+                      <a:round/>
+                      <a:headEnd len="sm" w="sm" type="none"/>
+                      <a:tailEnd len="sm" w="sm" type="none"/>
+                    </a:lnB>
+                  </a:tcPr>
                 </a:tc>
                 <a:tc>
                   <a:txBody>
@@ -13065,7 +13661,44 @@
                       </a:endParaRPr>
                     </a:p>
                   </a:txBody>
-                  <a:tcPr marT="91425" marB="91425" marR="91425" marL="91425"/>
+                  <a:tcPr marT="91425" marB="91425" marR="91425" marL="91425">
+                    <a:lnL cap="flat" cmpd="sng" w="9525">
+                      <a:solidFill>
+                        <a:srgbClr val="9E9E9E"/>
+                      </a:solidFill>
+                      <a:prstDash val="solid"/>
+                      <a:round/>
+                      <a:headEnd len="sm" w="sm" type="none"/>
+                      <a:tailEnd len="sm" w="sm" type="none"/>
+                    </a:lnL>
+                    <a:lnR cap="flat" cmpd="sng" w="9525">
+                      <a:solidFill>
+                        <a:srgbClr val="9E9E9E"/>
+                      </a:solidFill>
+                      <a:prstDash val="solid"/>
+                      <a:round/>
+                      <a:headEnd len="sm" w="sm" type="none"/>
+                      <a:tailEnd len="sm" w="sm" type="none"/>
+                    </a:lnR>
+                    <a:lnT cap="flat" cmpd="sng" w="9525">
+                      <a:solidFill>
+                        <a:srgbClr val="9E9E9E"/>
+                      </a:solidFill>
+                      <a:prstDash val="solid"/>
+                      <a:round/>
+                      <a:headEnd len="sm" w="sm" type="none"/>
+                      <a:tailEnd len="sm" w="sm" type="none"/>
+                    </a:lnT>
+                    <a:lnB cap="flat" cmpd="sng" w="9525">
+                      <a:solidFill>
+                        <a:srgbClr val="9E9E9E"/>
+                      </a:solidFill>
+                      <a:prstDash val="solid"/>
+                      <a:round/>
+                      <a:headEnd len="sm" w="sm" type="none"/>
+                      <a:tailEnd len="sm" w="sm" type="none"/>
+                    </a:lnB>
+                  </a:tcPr>
                 </a:tc>
               </a:tr>
               <a:tr h="381000">
@@ -13101,7 +13734,44 @@
                       <a:endParaRPr/>
                     </a:p>
                   </a:txBody>
-                  <a:tcPr marT="91425" marB="91425" marR="91425" marL="91425"/>
+                  <a:tcPr marT="91425" marB="91425" marR="91425" marL="91425">
+                    <a:lnL cap="flat" cmpd="sng" w="9525">
+                      <a:solidFill>
+                        <a:srgbClr val="9E9E9E"/>
+                      </a:solidFill>
+                      <a:prstDash val="solid"/>
+                      <a:round/>
+                      <a:headEnd len="sm" w="sm" type="none"/>
+                      <a:tailEnd len="sm" w="sm" type="none"/>
+                    </a:lnL>
+                    <a:lnR cap="flat" cmpd="sng" w="9525">
+                      <a:solidFill>
+                        <a:srgbClr val="9E9E9E"/>
+                      </a:solidFill>
+                      <a:prstDash val="solid"/>
+                      <a:round/>
+                      <a:headEnd len="sm" w="sm" type="none"/>
+                      <a:tailEnd len="sm" w="sm" type="none"/>
+                    </a:lnR>
+                    <a:lnT cap="flat" cmpd="sng" w="9525">
+                      <a:solidFill>
+                        <a:srgbClr val="9E9E9E"/>
+                      </a:solidFill>
+                      <a:prstDash val="solid"/>
+                      <a:round/>
+                      <a:headEnd len="sm" w="sm" type="none"/>
+                      <a:tailEnd len="sm" w="sm" type="none"/>
+                    </a:lnT>
+                    <a:lnB cap="flat" cmpd="sng" w="9525">
+                      <a:solidFill>
+                        <a:srgbClr val="9E9E9E"/>
+                      </a:solidFill>
+                      <a:prstDash val="solid"/>
+                      <a:round/>
+                      <a:headEnd len="sm" w="sm" type="none"/>
+                      <a:tailEnd len="sm" w="sm" type="none"/>
+                    </a:lnB>
+                  </a:tcPr>
                 </a:tc>
                 <a:tc>
                   <a:txBody>
@@ -13132,7 +13802,44 @@
                       </a:endParaRPr>
                     </a:p>
                   </a:txBody>
-                  <a:tcPr marT="91425" marB="91425" marR="91425" marL="91425"/>
+                  <a:tcPr marT="91425" marB="91425" marR="91425" marL="91425">
+                    <a:lnL cap="flat" cmpd="sng" w="9525">
+                      <a:solidFill>
+                        <a:srgbClr val="9E9E9E"/>
+                      </a:solidFill>
+                      <a:prstDash val="solid"/>
+                      <a:round/>
+                      <a:headEnd len="sm" w="sm" type="none"/>
+                      <a:tailEnd len="sm" w="sm" type="none"/>
+                    </a:lnL>
+                    <a:lnR cap="flat" cmpd="sng" w="9525">
+                      <a:solidFill>
+                        <a:srgbClr val="9E9E9E"/>
+                      </a:solidFill>
+                      <a:prstDash val="solid"/>
+                      <a:round/>
+                      <a:headEnd len="sm" w="sm" type="none"/>
+                      <a:tailEnd len="sm" w="sm" type="none"/>
+                    </a:lnR>
+                    <a:lnT cap="flat" cmpd="sng" w="9525">
+                      <a:solidFill>
+                        <a:srgbClr val="9E9E9E"/>
+                      </a:solidFill>
+                      <a:prstDash val="solid"/>
+                      <a:round/>
+                      <a:headEnd len="sm" w="sm" type="none"/>
+                      <a:tailEnd len="sm" w="sm" type="none"/>
+                    </a:lnT>
+                    <a:lnB cap="flat" cmpd="sng" w="9525">
+                      <a:solidFill>
+                        <a:srgbClr val="9E9E9E"/>
+                      </a:solidFill>
+                      <a:prstDash val="solid"/>
+                      <a:round/>
+                      <a:headEnd len="sm" w="sm" type="none"/>
+                      <a:tailEnd len="sm" w="sm" type="none"/>
+                    </a:lnB>
+                  </a:tcPr>
                 </a:tc>
                 <a:tc>
                   <a:txBody>
@@ -13163,7 +13870,44 @@
                       </a:endParaRPr>
                     </a:p>
                   </a:txBody>
-                  <a:tcPr marT="91425" marB="91425" marR="91425" marL="91425"/>
+                  <a:tcPr marT="91425" marB="91425" marR="91425" marL="91425">
+                    <a:lnL cap="flat" cmpd="sng" w="9525">
+                      <a:solidFill>
+                        <a:srgbClr val="9E9E9E"/>
+                      </a:solidFill>
+                      <a:prstDash val="solid"/>
+                      <a:round/>
+                      <a:headEnd len="sm" w="sm" type="none"/>
+                      <a:tailEnd len="sm" w="sm" type="none"/>
+                    </a:lnL>
+                    <a:lnR cap="flat" cmpd="sng" w="9525">
+                      <a:solidFill>
+                        <a:srgbClr val="9E9E9E"/>
+                      </a:solidFill>
+                      <a:prstDash val="solid"/>
+                      <a:round/>
+                      <a:headEnd len="sm" w="sm" type="none"/>
+                      <a:tailEnd len="sm" w="sm" type="none"/>
+                    </a:lnR>
+                    <a:lnT cap="flat" cmpd="sng" w="9525">
+                      <a:solidFill>
+                        <a:srgbClr val="9E9E9E"/>
+                      </a:solidFill>
+                      <a:prstDash val="solid"/>
+                      <a:round/>
+                      <a:headEnd len="sm" w="sm" type="none"/>
+                      <a:tailEnd len="sm" w="sm" type="none"/>
+                    </a:lnT>
+                    <a:lnB cap="flat" cmpd="sng" w="9525">
+                      <a:solidFill>
+                        <a:srgbClr val="9E9E9E"/>
+                      </a:solidFill>
+                      <a:prstDash val="solid"/>
+                      <a:round/>
+                      <a:headEnd len="sm" w="sm" type="none"/>
+                      <a:tailEnd len="sm" w="sm" type="none"/>
+                    </a:lnB>
+                  </a:tcPr>
                 </a:tc>
               </a:tr>
               <a:tr h="381000">
@@ -13199,7 +13943,44 @@
                       <a:endParaRPr/>
                     </a:p>
                   </a:txBody>
-                  <a:tcPr marT="91425" marB="91425" marR="91425" marL="91425"/>
+                  <a:tcPr marT="91425" marB="91425" marR="91425" marL="91425">
+                    <a:lnL cap="flat" cmpd="sng" w="9525">
+                      <a:solidFill>
+                        <a:srgbClr val="9E9E9E"/>
+                      </a:solidFill>
+                      <a:prstDash val="solid"/>
+                      <a:round/>
+                      <a:headEnd len="sm" w="sm" type="none"/>
+                      <a:tailEnd len="sm" w="sm" type="none"/>
+                    </a:lnL>
+                    <a:lnR cap="flat" cmpd="sng" w="9525">
+                      <a:solidFill>
+                        <a:srgbClr val="9E9E9E"/>
+                      </a:solidFill>
+                      <a:prstDash val="solid"/>
+                      <a:round/>
+                      <a:headEnd len="sm" w="sm" type="none"/>
+                      <a:tailEnd len="sm" w="sm" type="none"/>
+                    </a:lnR>
+                    <a:lnT cap="flat" cmpd="sng" w="9525">
+                      <a:solidFill>
+                        <a:srgbClr val="9E9E9E"/>
+                      </a:solidFill>
+                      <a:prstDash val="solid"/>
+                      <a:round/>
+                      <a:headEnd len="sm" w="sm" type="none"/>
+                      <a:tailEnd len="sm" w="sm" type="none"/>
+                    </a:lnT>
+                    <a:lnB cap="flat" cmpd="sng" w="9525">
+                      <a:solidFill>
+                        <a:srgbClr val="9E9E9E"/>
+                      </a:solidFill>
+                      <a:prstDash val="solid"/>
+                      <a:round/>
+                      <a:headEnd len="sm" w="sm" type="none"/>
+                      <a:tailEnd len="sm" w="sm" type="none"/>
+                    </a:lnB>
+                  </a:tcPr>
                 </a:tc>
                 <a:tc>
                   <a:txBody>
@@ -13230,7 +14011,44 @@
                       </a:endParaRPr>
                     </a:p>
                   </a:txBody>
-                  <a:tcPr marT="91425" marB="91425" marR="91425" marL="91425"/>
+                  <a:tcPr marT="91425" marB="91425" marR="91425" marL="91425">
+                    <a:lnL cap="flat" cmpd="sng" w="9525">
+                      <a:solidFill>
+                        <a:srgbClr val="9E9E9E"/>
+                      </a:solidFill>
+                      <a:prstDash val="solid"/>
+                      <a:round/>
+                      <a:headEnd len="sm" w="sm" type="none"/>
+                      <a:tailEnd len="sm" w="sm" type="none"/>
+                    </a:lnL>
+                    <a:lnR cap="flat" cmpd="sng" w="9525">
+                      <a:solidFill>
+                        <a:srgbClr val="9E9E9E"/>
+                      </a:solidFill>
+                      <a:prstDash val="solid"/>
+                      <a:round/>
+                      <a:headEnd len="sm" w="sm" type="none"/>
+                      <a:tailEnd len="sm" w="sm" type="none"/>
+                    </a:lnR>
+                    <a:lnT cap="flat" cmpd="sng" w="9525">
+                      <a:solidFill>
+                        <a:srgbClr val="9E9E9E"/>
+                      </a:solidFill>
+                      <a:prstDash val="solid"/>
+                      <a:round/>
+                      <a:headEnd len="sm" w="sm" type="none"/>
+                      <a:tailEnd len="sm" w="sm" type="none"/>
+                    </a:lnT>
+                    <a:lnB cap="flat" cmpd="sng" w="9525">
+                      <a:solidFill>
+                        <a:srgbClr val="9E9E9E"/>
+                      </a:solidFill>
+                      <a:prstDash val="solid"/>
+                      <a:round/>
+                      <a:headEnd len="sm" w="sm" type="none"/>
+                      <a:tailEnd len="sm" w="sm" type="none"/>
+                    </a:lnB>
+                  </a:tcPr>
                 </a:tc>
                 <a:tc>
                   <a:txBody>
@@ -13261,7 +14079,44 @@
                       </a:endParaRPr>
                     </a:p>
                   </a:txBody>
-                  <a:tcPr marT="91425" marB="91425" marR="91425" marL="91425"/>
+                  <a:tcPr marT="91425" marB="91425" marR="91425" marL="91425">
+                    <a:lnL cap="flat" cmpd="sng" w="9525">
+                      <a:solidFill>
+                        <a:srgbClr val="9E9E9E"/>
+                      </a:solidFill>
+                      <a:prstDash val="solid"/>
+                      <a:round/>
+                      <a:headEnd len="sm" w="sm" type="none"/>
+                      <a:tailEnd len="sm" w="sm" type="none"/>
+                    </a:lnL>
+                    <a:lnR cap="flat" cmpd="sng" w="9525">
+                      <a:solidFill>
+                        <a:srgbClr val="9E9E9E"/>
+                      </a:solidFill>
+                      <a:prstDash val="solid"/>
+                      <a:round/>
+                      <a:headEnd len="sm" w="sm" type="none"/>
+                      <a:tailEnd len="sm" w="sm" type="none"/>
+                    </a:lnR>
+                    <a:lnT cap="flat" cmpd="sng" w="9525">
+                      <a:solidFill>
+                        <a:srgbClr val="9E9E9E"/>
+                      </a:solidFill>
+                      <a:prstDash val="solid"/>
+                      <a:round/>
+                      <a:headEnd len="sm" w="sm" type="none"/>
+                      <a:tailEnd len="sm" w="sm" type="none"/>
+                    </a:lnT>
+                    <a:lnB cap="flat" cmpd="sng" w="9525">
+                      <a:solidFill>
+                        <a:srgbClr val="9E9E9E"/>
+                      </a:solidFill>
+                      <a:prstDash val="solid"/>
+                      <a:round/>
+                      <a:headEnd len="sm" w="sm" type="none"/>
+                      <a:tailEnd len="sm" w="sm" type="none"/>
+                    </a:lnB>
+                  </a:tcPr>
                 </a:tc>
               </a:tr>
               <a:tr h="381000">
@@ -13313,7 +14168,44 @@
                       </a:endParaRPr>
                     </a:p>
                   </a:txBody>
-                  <a:tcPr marT="91425" marB="91425" marR="91425" marL="91425"/>
+                  <a:tcPr marT="91425" marB="91425" marR="91425" marL="91425">
+                    <a:lnL cap="flat" cmpd="sng" w="9525">
+                      <a:solidFill>
+                        <a:srgbClr val="9E9E9E"/>
+                      </a:solidFill>
+                      <a:prstDash val="solid"/>
+                      <a:round/>
+                      <a:headEnd len="sm" w="sm" type="none"/>
+                      <a:tailEnd len="sm" w="sm" type="none"/>
+                    </a:lnL>
+                    <a:lnR cap="flat" cmpd="sng" w="9525">
+                      <a:solidFill>
+                        <a:srgbClr val="9E9E9E"/>
+                      </a:solidFill>
+                      <a:prstDash val="solid"/>
+                      <a:round/>
+                      <a:headEnd len="sm" w="sm" type="none"/>
+                      <a:tailEnd len="sm" w="sm" type="none"/>
+                    </a:lnR>
+                    <a:lnT cap="flat" cmpd="sng" w="9525">
+                      <a:solidFill>
+                        <a:srgbClr val="9E9E9E"/>
+                      </a:solidFill>
+                      <a:prstDash val="solid"/>
+                      <a:round/>
+                      <a:headEnd len="sm" w="sm" type="none"/>
+                      <a:tailEnd len="sm" w="sm" type="none"/>
+                    </a:lnT>
+                    <a:lnB cap="flat" cmpd="sng" w="9525">
+                      <a:solidFill>
+                        <a:srgbClr val="9E9E9E"/>
+                      </a:solidFill>
+                      <a:prstDash val="solid"/>
+                      <a:round/>
+                      <a:headEnd len="sm" w="sm" type="none"/>
+                      <a:tailEnd len="sm" w="sm" type="none"/>
+                    </a:lnB>
+                  </a:tcPr>
                 </a:tc>
                 <a:tc>
                   <a:txBody>
@@ -13344,7 +14236,44 @@
                       </a:endParaRPr>
                     </a:p>
                   </a:txBody>
-                  <a:tcPr marT="91425" marB="91425" marR="91425" marL="91425"/>
+                  <a:tcPr marT="91425" marB="91425" marR="91425" marL="91425">
+                    <a:lnL cap="flat" cmpd="sng" w="9525">
+                      <a:solidFill>
+                        <a:srgbClr val="9E9E9E"/>
+                      </a:solidFill>
+                      <a:prstDash val="solid"/>
+                      <a:round/>
+                      <a:headEnd len="sm" w="sm" type="none"/>
+                      <a:tailEnd len="sm" w="sm" type="none"/>
+                    </a:lnL>
+                    <a:lnR cap="flat" cmpd="sng" w="9525">
+                      <a:solidFill>
+                        <a:srgbClr val="9E9E9E"/>
+                      </a:solidFill>
+                      <a:prstDash val="solid"/>
+                      <a:round/>
+                      <a:headEnd len="sm" w="sm" type="none"/>
+                      <a:tailEnd len="sm" w="sm" type="none"/>
+                    </a:lnR>
+                    <a:lnT cap="flat" cmpd="sng" w="9525">
+                      <a:solidFill>
+                        <a:srgbClr val="9E9E9E"/>
+                      </a:solidFill>
+                      <a:prstDash val="solid"/>
+                      <a:round/>
+                      <a:headEnd len="sm" w="sm" type="none"/>
+                      <a:tailEnd len="sm" w="sm" type="none"/>
+                    </a:lnT>
+                    <a:lnB cap="flat" cmpd="sng" w="9525">
+                      <a:solidFill>
+                        <a:srgbClr val="9E9E9E"/>
+                      </a:solidFill>
+                      <a:prstDash val="solid"/>
+                      <a:round/>
+                      <a:headEnd len="sm" w="sm" type="none"/>
+                      <a:tailEnd len="sm" w="sm" type="none"/>
+                    </a:lnB>
+                  </a:tcPr>
                 </a:tc>
                 <a:tc>
                   <a:txBody>
@@ -13375,7 +14304,178 @@
                       </a:endParaRPr>
                     </a:p>
                   </a:txBody>
-                  <a:tcPr marT="91425" marB="91425" marR="91425" marL="91425"/>
+                  <a:tcPr marT="91425" marB="91425" marR="91425" marL="91425">
+                    <a:lnL cap="flat" cmpd="sng" w="9525">
+                      <a:solidFill>
+                        <a:srgbClr val="9E9E9E"/>
+                      </a:solidFill>
+                      <a:prstDash val="solid"/>
+                      <a:round/>
+                      <a:headEnd len="sm" w="sm" type="none"/>
+                      <a:tailEnd len="sm" w="sm" type="none"/>
+                    </a:lnL>
+                    <a:lnR cap="flat" cmpd="sng" w="9525">
+                      <a:solidFill>
+                        <a:srgbClr val="9E9E9E"/>
+                      </a:solidFill>
+                      <a:prstDash val="solid"/>
+                      <a:round/>
+                      <a:headEnd len="sm" w="sm" type="none"/>
+                      <a:tailEnd len="sm" w="sm" type="none"/>
+                    </a:lnR>
+                    <a:lnT cap="flat" cmpd="sng" w="9525">
+                      <a:solidFill>
+                        <a:srgbClr val="9E9E9E"/>
+                      </a:solidFill>
+                      <a:prstDash val="solid"/>
+                      <a:round/>
+                      <a:headEnd len="sm" w="sm" type="none"/>
+                      <a:tailEnd len="sm" w="sm" type="none"/>
+                    </a:lnT>
+                    <a:lnB cap="flat" cmpd="sng" w="9525">
+                      <a:solidFill>
+                        <a:srgbClr val="9E9E9E"/>
+                      </a:solidFill>
+                      <a:prstDash val="solid"/>
+                      <a:round/>
+                      <a:headEnd len="sm" w="sm" type="none"/>
+                      <a:tailEnd len="sm" w="sm" type="none"/>
+                    </a:lnB>
+                  </a:tcPr>
+                </a:tc>
+              </a:tr>
+              <a:tr h="381000">
+                <a:tc>
+                  <a:txBody>
+                    <a:bodyPr/>
+                    <a:lstStyle/>
+                    <a:p>
+                      <a:pPr indent="0" lvl="0" marL="0" marR="0" rtl="0" algn="l">
+                        <a:lnSpc>
+                          <a:spcPct val="115000"/>
+                        </a:lnSpc>
+                        <a:spcBef>
+                          <a:spcPts val="0"/>
+                        </a:spcBef>
+                        <a:spcAft>
+                          <a:spcPts val="1200"/>
+                        </a:spcAft>
+                        <a:buNone/>
+                      </a:pPr>
+                      <a:r>
+                        <a:rPr lang="ar" sz="1700">
+                          <a:solidFill>
+                            <a:schemeClr val="lt1"/>
+                          </a:solidFill>
+                          <a:latin typeface="Lato"/>
+                          <a:ea typeface="Lato"/>
+                          <a:cs typeface="Lato"/>
+                          <a:sym typeface="Lato"/>
+                        </a:rPr>
+                        <a:t>StackEnsemble</a:t>
+                      </a:r>
+                      <a:endParaRPr/>
+                    </a:p>
+                  </a:txBody>
+                  <a:tcPr marT="91425" marB="91425" marR="91425" marL="91425">
+                    <a:lnT cap="flat" cmpd="sng" w="9525">
+                      <a:solidFill>
+                        <a:srgbClr val="9E9E9E"/>
+                      </a:solidFill>
+                      <a:prstDash val="solid"/>
+                      <a:round/>
+                      <a:headEnd len="sm" w="sm" type="none"/>
+                      <a:tailEnd len="sm" w="sm" type="none"/>
+                    </a:lnT>
+                  </a:tcPr>
+                </a:tc>
+                <a:tc>
+                  <a:txBody>
+                    <a:bodyPr/>
+                    <a:lstStyle/>
+                    <a:p>
+                      <a:pPr indent="0" lvl="0" marL="0" marR="0" rtl="0" algn="l">
+                        <a:lnSpc>
+                          <a:spcPct val="100000"/>
+                        </a:lnSpc>
+                        <a:spcBef>
+                          <a:spcPts val="0"/>
+                        </a:spcBef>
+                        <a:spcAft>
+                          <a:spcPts val="0"/>
+                        </a:spcAft>
+                        <a:buNone/>
+                      </a:pPr>
+                      <a:r>
+                        <a:rPr lang="ar" sz="1700">
+                          <a:solidFill>
+                            <a:schemeClr val="lt1"/>
+                          </a:solidFill>
+                        </a:rPr>
+                        <a:t>1143</a:t>
+                      </a:r>
+                      <a:r>
+                        <a:rPr lang="ar" sz="1700">
+                          <a:solidFill>
+                            <a:schemeClr val="lt1"/>
+                          </a:solidFill>
+                        </a:rPr>
+                        <a:t>.8</a:t>
+                      </a:r>
+                      <a:endParaRPr/>
+                    </a:p>
+                  </a:txBody>
+                  <a:tcPr marT="91425" marB="91425" marR="91425" marL="91425">
+                    <a:lnT cap="flat" cmpd="sng" w="9525">
+                      <a:solidFill>
+                        <a:srgbClr val="9E9E9E"/>
+                      </a:solidFill>
+                      <a:prstDash val="solid"/>
+                      <a:round/>
+                      <a:headEnd len="sm" w="sm" type="none"/>
+                      <a:tailEnd len="sm" w="sm" type="none"/>
+                    </a:lnT>
+                  </a:tcPr>
+                </a:tc>
+                <a:tc>
+                  <a:txBody>
+                    <a:bodyPr/>
+                    <a:lstStyle/>
+                    <a:p>
+                      <a:pPr indent="0" lvl="0" marL="0" marR="0" rtl="0" algn="l">
+                        <a:lnSpc>
+                          <a:spcPct val="100000"/>
+                        </a:lnSpc>
+                        <a:spcBef>
+                          <a:spcPts val="0"/>
+                        </a:spcBef>
+                        <a:spcAft>
+                          <a:spcPts val="0"/>
+                        </a:spcAft>
+                        <a:buNone/>
+                      </a:pPr>
+                      <a:r>
+                        <a:rPr lang="ar" sz="1700">
+                          <a:solidFill>
+                            <a:schemeClr val="lt1"/>
+                          </a:solidFill>
+                        </a:rPr>
+                        <a:t>0.88025</a:t>
+                      </a:r>
+                      <a:endParaRPr/>
+                    </a:p>
+                  </a:txBody>
+                  <a:tcPr marT="91425" marB="91425" marR="91425" marL="91425">
+                    <a:lnT cap="flat" cmpd="sng" w="9525">
+                      <a:solidFill>
+                        <a:srgbClr val="9E9E9E"/>
+                      </a:solidFill>
+                      <a:prstDash val="solid"/>
+                      <a:round/>
+                      <a:headEnd len="sm" w="sm" type="none"/>
+                      <a:tailEnd len="sm" w="sm" type="none"/>
+                    </a:lnT>
+                  </a:tcPr>
                 </a:tc>
               </a:tr>
             </a:tbl>
@@ -13407,9 +14507,196 @@
           <a:chExt cx="0" cy="0"/>
         </a:xfrm>
       </p:grpSpPr>
+      <p:pic>
+        <p:nvPicPr>
+          <p:cNvPr id="248" name="Google Shape;248;p35"/>
+          <p:cNvPicPr preferRelativeResize="0"/>
+          <p:nvPr/>
+        </p:nvPicPr>
+        <p:blipFill>
+          <a:blip r:embed="rId3">
+            <a:alphaModFix/>
+          </a:blip>
+          <a:stretch>
+            <a:fillRect/>
+          </a:stretch>
+        </p:blipFill>
+        <p:spPr>
+          <a:xfrm>
+            <a:off x="1587800" y="754675"/>
+            <a:ext cx="3035900" cy="4164799"/>
+          </a:xfrm>
+          <a:prstGeom prst="rect">
+            <a:avLst/>
+          </a:prstGeom>
+          <a:noFill/>
+          <a:ln>
+            <a:noFill/>
+          </a:ln>
+        </p:spPr>
+      </p:pic>
+      <p:pic>
+        <p:nvPicPr>
+          <p:cNvPr id="249" name="Google Shape;249;p35"/>
+          <p:cNvPicPr preferRelativeResize="0"/>
+          <p:nvPr/>
+        </p:nvPicPr>
+        <p:blipFill>
+          <a:blip r:embed="rId4">
+            <a:alphaModFix/>
+          </a:blip>
+          <a:stretch>
+            <a:fillRect/>
+          </a:stretch>
+        </p:blipFill>
+        <p:spPr>
+          <a:xfrm>
+            <a:off x="5199225" y="754675"/>
+            <a:ext cx="3208700" cy="4164800"/>
+          </a:xfrm>
+          <a:prstGeom prst="rect">
+            <a:avLst/>
+          </a:prstGeom>
+          <a:noFill/>
+          <a:ln>
+            <a:noFill/>
+          </a:ln>
+        </p:spPr>
+      </p:pic>
+    </p:spTree>
+  </p:cSld>
+  <p:clrMapOvr>
+    <a:masterClrMapping/>
+  </p:clrMapOvr>
+</p:sld>
+</file>
+
+<file path=ppt/slides/slide24.xml><?xml version="1.0" encoding="utf-8"?>
+<p:sld xmlns:a="http://schemas.openxmlformats.org/drawingml/2006/main" xmlns:r="http://schemas.openxmlformats.org/officeDocument/2006/relationships" xmlns:mc="http://schemas.openxmlformats.org/markup-compatibility/2006" xmlns:mv="urn:schemas-microsoft-com:mac:vml" xmlns:p="http://schemas.openxmlformats.org/presentationml/2006/main" xmlns:c="http://schemas.openxmlformats.org/drawingml/2006/chart" xmlns:dgm="http://schemas.openxmlformats.org/drawingml/2006/diagram" xmlns:o="urn:schemas-microsoft-com:office:office" xmlns:v="urn:schemas-microsoft-com:vml" xmlns:pvml="urn:schemas-microsoft-com:office:powerpoint" xmlns:com="http://schemas.openxmlformats.org/drawingml/2006/compatibility" xmlns:p14="http://schemas.microsoft.com/office/powerpoint/2010/main" xmlns:p15="http://schemas.microsoft.com/office/powerpoint/2012/main" xmlns:ahyp="http://schemas.microsoft.com/office/drawing/2018/hyperlinkcolor">
+  <p:cSld>
+    <p:spTree>
+      <p:nvGrpSpPr>
+        <p:cNvPr id="253" name="Shape 253"/>
+        <p:cNvGrpSpPr/>
+        <p:nvPr/>
+      </p:nvGrpSpPr>
+      <p:grpSpPr>
+        <a:xfrm>
+          <a:off x="0" y="0"/>
+          <a:ext cx="0" cy="0"/>
+          <a:chOff x="0" y="0"/>
+          <a:chExt cx="0" cy="0"/>
+        </a:xfrm>
+      </p:grpSpPr>
+      <p:pic>
+        <p:nvPicPr>
+          <p:cNvPr id="254" name="Google Shape;254;p36"/>
+          <p:cNvPicPr preferRelativeResize="0"/>
+          <p:nvPr/>
+        </p:nvPicPr>
+        <p:blipFill>
+          <a:blip r:embed="rId3">
+            <a:alphaModFix/>
+          </a:blip>
+          <a:stretch>
+            <a:fillRect/>
+          </a:stretch>
+        </p:blipFill>
+        <p:spPr>
+          <a:xfrm>
+            <a:off x="2310688" y="697750"/>
+            <a:ext cx="4522625" cy="4217999"/>
+          </a:xfrm>
+          <a:prstGeom prst="rect">
+            <a:avLst/>
+          </a:prstGeom>
+          <a:noFill/>
+          <a:ln>
+            <a:noFill/>
+          </a:ln>
+        </p:spPr>
+      </p:pic>
+    </p:spTree>
+  </p:cSld>
+  <p:clrMapOvr>
+    <a:masterClrMapping/>
+  </p:clrMapOvr>
+</p:sld>
+</file>
+
+<file path=ppt/slides/slide25.xml><?xml version="1.0" encoding="utf-8"?>
+<p:sld xmlns:a="http://schemas.openxmlformats.org/drawingml/2006/main" xmlns:r="http://schemas.openxmlformats.org/officeDocument/2006/relationships" xmlns:mc="http://schemas.openxmlformats.org/markup-compatibility/2006" xmlns:mv="urn:schemas-microsoft-com:mac:vml" xmlns:p="http://schemas.openxmlformats.org/presentationml/2006/main" xmlns:c="http://schemas.openxmlformats.org/drawingml/2006/chart" xmlns:dgm="http://schemas.openxmlformats.org/drawingml/2006/diagram" xmlns:o="urn:schemas-microsoft-com:office:office" xmlns:v="urn:schemas-microsoft-com:vml" xmlns:pvml="urn:schemas-microsoft-com:office:powerpoint" xmlns:com="http://schemas.openxmlformats.org/drawingml/2006/compatibility" xmlns:p14="http://schemas.microsoft.com/office/powerpoint/2010/main" xmlns:p15="http://schemas.microsoft.com/office/powerpoint/2012/main" xmlns:ahyp="http://schemas.microsoft.com/office/drawing/2018/hyperlinkcolor">
+  <p:cSld>
+    <p:spTree>
+      <p:nvGrpSpPr>
+        <p:cNvPr id="258" name="Shape 258"/>
+        <p:cNvGrpSpPr/>
+        <p:nvPr/>
+      </p:nvGrpSpPr>
+      <p:grpSpPr>
+        <a:xfrm>
+          <a:off x="0" y="0"/>
+          <a:ext cx="0" cy="0"/>
+          <a:chOff x="0" y="0"/>
+          <a:chExt cx="0" cy="0"/>
+        </a:xfrm>
+      </p:grpSpPr>
+      <p:pic>
+        <p:nvPicPr>
+          <p:cNvPr id="259" name="Google Shape;259;p37"/>
+          <p:cNvPicPr preferRelativeResize="0"/>
+          <p:nvPr/>
+        </p:nvPicPr>
+        <p:blipFill>
+          <a:blip r:embed="rId3">
+            <a:alphaModFix/>
+          </a:blip>
+          <a:stretch>
+            <a:fillRect/>
+          </a:stretch>
+        </p:blipFill>
+        <p:spPr>
+          <a:xfrm>
+            <a:off x="2218838" y="536600"/>
+            <a:ext cx="4706325" cy="4252425"/>
+          </a:xfrm>
+          <a:prstGeom prst="rect">
+            <a:avLst/>
+          </a:prstGeom>
+          <a:noFill/>
+          <a:ln>
+            <a:noFill/>
+          </a:ln>
+        </p:spPr>
+      </p:pic>
+    </p:spTree>
+  </p:cSld>
+  <p:clrMapOvr>
+    <a:masterClrMapping/>
+  </p:clrMapOvr>
+</p:sld>
+</file>
+
+<file path=ppt/slides/slide26.xml><?xml version="1.0" encoding="utf-8"?>
+<p:sld xmlns:a="http://schemas.openxmlformats.org/drawingml/2006/main" xmlns:r="http://schemas.openxmlformats.org/officeDocument/2006/relationships" xmlns:mc="http://schemas.openxmlformats.org/markup-compatibility/2006" xmlns:mv="urn:schemas-microsoft-com:mac:vml" xmlns:p="http://schemas.openxmlformats.org/presentationml/2006/main" xmlns:c="http://schemas.openxmlformats.org/drawingml/2006/chart" xmlns:dgm="http://schemas.openxmlformats.org/drawingml/2006/diagram" xmlns:o="urn:schemas-microsoft-com:office:office" xmlns:v="urn:schemas-microsoft-com:vml" xmlns:pvml="urn:schemas-microsoft-com:office:powerpoint" xmlns:com="http://schemas.openxmlformats.org/drawingml/2006/compatibility" xmlns:p14="http://schemas.microsoft.com/office/powerpoint/2010/main" xmlns:p15="http://schemas.microsoft.com/office/powerpoint/2012/main" xmlns:ahyp="http://schemas.microsoft.com/office/drawing/2018/hyperlinkcolor">
+  <p:cSld>
+    <p:spTree>
+      <p:nvGrpSpPr>
+        <p:cNvPr id="263" name="Shape 263"/>
+        <p:cNvGrpSpPr/>
+        <p:nvPr/>
+      </p:nvGrpSpPr>
+      <p:grpSpPr>
+        <a:xfrm>
+          <a:off x="0" y="0"/>
+          <a:ext cx="0" cy="0"/>
+          <a:chOff x="0" y="0"/>
+          <a:chExt cx="0" cy="0"/>
+        </a:xfrm>
+      </p:grpSpPr>
       <p:sp>
         <p:nvSpPr>
-          <p:cNvPr id="248" name="Google Shape;248;p35"/>
+          <p:cNvPr id="264" name="Google Shape;264;p38"/>
           <p:cNvSpPr txBox="1"/>
           <p:nvPr>
             <p:ph type="title"/>
@@ -13459,12 +14746,12 @@
 </p:sld>
 </file>
 
-<file path=ppt/slides/slide24.xml><?xml version="1.0" encoding="utf-8"?>
+<file path=ppt/slides/slide27.xml><?xml version="1.0" encoding="utf-8"?>
 <p:sld xmlns:a="http://schemas.openxmlformats.org/drawingml/2006/main" xmlns:r="http://schemas.openxmlformats.org/officeDocument/2006/relationships" xmlns:mc="http://schemas.openxmlformats.org/markup-compatibility/2006" xmlns:mv="urn:schemas-microsoft-com:mac:vml" xmlns:p="http://schemas.openxmlformats.org/presentationml/2006/main" xmlns:c="http://schemas.openxmlformats.org/drawingml/2006/chart" xmlns:dgm="http://schemas.openxmlformats.org/drawingml/2006/diagram" xmlns:o="urn:schemas-microsoft-com:office:office" xmlns:v="urn:schemas-microsoft-com:vml" xmlns:pvml="urn:schemas-microsoft-com:office:powerpoint" xmlns:com="http://schemas.openxmlformats.org/drawingml/2006/compatibility" xmlns:p14="http://schemas.microsoft.com/office/powerpoint/2010/main" xmlns:p15="http://schemas.microsoft.com/office/powerpoint/2012/main" xmlns:ahyp="http://schemas.microsoft.com/office/drawing/2018/hyperlinkcolor">
   <p:cSld>
     <p:spTree>
       <p:nvGrpSpPr>
-        <p:cNvPr id="252" name="Shape 252"/>
+        <p:cNvPr id="268" name="Shape 268"/>
         <p:cNvGrpSpPr/>
         <p:nvPr/>
       </p:nvGrpSpPr>
@@ -13478,7 +14765,7 @@
       </p:grpSpPr>
       <p:sp>
         <p:nvSpPr>
-          <p:cNvPr id="253" name="Google Shape;253;p36"/>
+          <p:cNvPr id="269" name="Google Shape;269;p39"/>
           <p:cNvSpPr txBox="1"/>
           <p:nvPr>
             <p:ph idx="1" type="body"/>
@@ -13636,12 +14923,12 @@
 </p:sld>
 </file>
 
-<file path=ppt/slides/slide25.xml><?xml version="1.0" encoding="utf-8"?>
+<file path=ppt/slides/slide28.xml><?xml version="1.0" encoding="utf-8"?>
 <p:sld xmlns:a="http://schemas.openxmlformats.org/drawingml/2006/main" xmlns:r="http://schemas.openxmlformats.org/officeDocument/2006/relationships" xmlns:mc="http://schemas.openxmlformats.org/markup-compatibility/2006" xmlns:mv="urn:schemas-microsoft-com:mac:vml" xmlns:p="http://schemas.openxmlformats.org/presentationml/2006/main" xmlns:c="http://schemas.openxmlformats.org/drawingml/2006/chart" xmlns:dgm="http://schemas.openxmlformats.org/drawingml/2006/diagram" xmlns:o="urn:schemas-microsoft-com:office:office" xmlns:v="urn:schemas-microsoft-com:vml" xmlns:pvml="urn:schemas-microsoft-com:office:powerpoint" xmlns:com="http://schemas.openxmlformats.org/drawingml/2006/compatibility" xmlns:p14="http://schemas.microsoft.com/office/powerpoint/2010/main" xmlns:p15="http://schemas.microsoft.com/office/powerpoint/2012/main" xmlns:ahyp="http://schemas.microsoft.com/office/drawing/2018/hyperlinkcolor">
   <p:cSld>
     <p:spTree>
       <p:nvGrpSpPr>
-        <p:cNvPr id="257" name="Shape 257"/>
+        <p:cNvPr id="273" name="Shape 273"/>
         <p:cNvGrpSpPr/>
         <p:nvPr/>
       </p:nvGrpSpPr>
@@ -13655,7 +14942,7 @@
       </p:grpSpPr>
       <p:sp>
         <p:nvSpPr>
-          <p:cNvPr id="258" name="Google Shape;258;p37"/>
+          <p:cNvPr id="274" name="Google Shape;274;p40"/>
           <p:cNvSpPr txBox="1"/>
           <p:nvPr>
             <p:ph type="ctrTitle"/>
@@ -14406,6 +15693,285 @@
 </file>
 
 <file path=ppt/theme/theme1.xml><?xml version="1.0" encoding="utf-8"?>
+<a:theme xmlns:a="http://schemas.openxmlformats.org/drawingml/2006/main" xmlns:r="http://schemas.openxmlformats.org/officeDocument/2006/relationships" name="Focus">
+  <a:themeElements>
+    <a:clrScheme name="Focus">
+      <a:dk1>
+        <a:srgbClr val="1B212C"/>
+      </a:dk1>
+      <a:lt1>
+        <a:srgbClr val="FFFFFF"/>
+      </a:lt1>
+      <a:dk2>
+        <a:srgbClr val="D9D9D9"/>
+      </a:dk2>
+      <a:lt2>
+        <a:srgbClr val="82C7A5"/>
+      </a:lt2>
+      <a:accent1>
+        <a:srgbClr val="0145AC"/>
+      </a:accent1>
+      <a:accent2>
+        <a:srgbClr val="EECE1A"/>
+      </a:accent2>
+      <a:accent3>
+        <a:srgbClr val="4E5567"/>
+      </a:accent3>
+      <a:accent4>
+        <a:srgbClr val="F4D6AD"/>
+      </a:accent4>
+      <a:accent5>
+        <a:srgbClr val="7890CD"/>
+      </a:accent5>
+      <a:accent6>
+        <a:srgbClr val="F15E22"/>
+      </a:accent6>
+      <a:hlink>
+        <a:srgbClr val="7890CD"/>
+      </a:hlink>
+      <a:folHlink>
+        <a:srgbClr val="7890CD"/>
+      </a:folHlink>
+    </a:clrScheme>
+    <a:fontScheme name="Office">
+      <a:majorFont>
+        <a:latin typeface="Arial"/>
+        <a:ea typeface=""/>
+        <a:cs typeface=""/>
+        <a:font script="Jpan" typeface="ＭＳ Ｐゴシック"/>
+        <a:font script="Hang" typeface="맑은 고딕"/>
+        <a:font script="Hans" typeface="宋体"/>
+        <a:font script="Hant" typeface="新細明體"/>
+        <a:font script="Arab" typeface="Times New Roman"/>
+        <a:font script="Hebr" typeface="Times New Roman"/>
+        <a:font script="Thai" typeface="Angsana New"/>
+        <a:font script="Ethi" typeface="Nyala"/>
+        <a:font script="Beng" typeface="Vrinda"/>
+        <a:font script="Gujr" typeface="Shruti"/>
+        <a:font script="Khmr" typeface="MoolBoran"/>
+        <a:font script="Knda" typeface="Tunga"/>
+        <a:font script="Guru" typeface="Raavi"/>
+        <a:font script="Cans" typeface="Euphemia"/>
+        <a:font script="Cher" typeface="Plantagenet Cherokee"/>
+        <a:font script="Yiii" typeface="Microsoft Yi Baiti"/>
+        <a:font script="Tibt" typeface="Microsoft Himalaya"/>
+        <a:font script="Thaa" typeface="MV Boli"/>
+        <a:font script="Deva" typeface="Mangal"/>
+        <a:font script="Telu" typeface="Gautami"/>
+        <a:font script="Taml" typeface="Latha"/>
+        <a:font script="Syrc" typeface="Estrangelo Edessa"/>
+        <a:font script="Orya" typeface="Kalinga"/>
+        <a:font script="Mlym" typeface="Kartika"/>
+        <a:font script="Laoo" typeface="DokChampa"/>
+        <a:font script="Sinh" typeface="Iskoola Pota"/>
+        <a:font script="Mong" typeface="Mongolian Baiti"/>
+        <a:font script="Viet" typeface="Times New Roman"/>
+        <a:font script="Uigh" typeface="Microsoft Uighur"/>
+        <a:font script="Geor" typeface="Sylfaen"/>
+      </a:majorFont>
+      <a:minorFont>
+        <a:latin typeface="Arial"/>
+        <a:ea typeface=""/>
+        <a:cs typeface=""/>
+        <a:font script="Jpan" typeface="ＭＳ Ｐゴシック"/>
+        <a:font script="Hang" typeface="맑은 고딕"/>
+        <a:font script="Hans" typeface="宋体"/>
+        <a:font script="Hant" typeface="新細明體"/>
+        <a:font script="Arab" typeface="Arial"/>
+        <a:font script="Hebr" typeface="Arial"/>
+        <a:font script="Thai" typeface="Cordia New"/>
+        <a:font script="Ethi" typeface="Nyala"/>
+        <a:font script="Beng" typeface="Vrinda"/>
+        <a:font script="Gujr" typeface="Shruti"/>
+        <a:font script="Khmr" typeface="DaunPenh"/>
+        <a:font script="Knda" typeface="Tunga"/>
+        <a:font script="Guru" typeface="Raavi"/>
+        <a:font script="Cans" typeface="Euphemia"/>
+        <a:font script="Cher" typeface="Plantagenet Cherokee"/>
+        <a:font script="Yiii" typeface="Microsoft Yi Baiti"/>
+        <a:font script="Tibt" typeface="Microsoft Himalaya"/>
+        <a:font script="Thaa" typeface="MV Boli"/>
+        <a:font script="Deva" typeface="Mangal"/>
+        <a:font script="Telu" typeface="Gautami"/>
+        <a:font script="Taml" typeface="Latha"/>
+        <a:font script="Syrc" typeface="Estrangelo Edessa"/>
+        <a:font script="Orya" typeface="Kalinga"/>
+        <a:font script="Mlym" typeface="Kartika"/>
+        <a:font script="Laoo" typeface="DokChampa"/>
+        <a:font script="Sinh" typeface="Iskoola Pota"/>
+        <a:font script="Mong" typeface="Mongolian Baiti"/>
+        <a:font script="Viet" typeface="Arial"/>
+        <a:font script="Uigh" typeface="Microsoft Uighur"/>
+        <a:font script="Geor" typeface="Sylfaen"/>
+      </a:minorFont>
+    </a:fontScheme>
+    <a:fmtScheme name="Office">
+      <a:fillStyleLst>
+        <a:solidFill>
+          <a:schemeClr val="phClr"/>
+        </a:solidFill>
+        <a:gradFill rotWithShape="1">
+          <a:gsLst>
+            <a:gs pos="0">
+              <a:schemeClr val="phClr">
+                <a:tint val="50000"/>
+                <a:satMod val="300000"/>
+              </a:schemeClr>
+            </a:gs>
+            <a:gs pos="35000">
+              <a:schemeClr val="phClr">
+                <a:tint val="37000"/>
+                <a:satMod val="300000"/>
+              </a:schemeClr>
+            </a:gs>
+            <a:gs pos="100000">
+              <a:schemeClr val="phClr">
+                <a:tint val="15000"/>
+                <a:satMod val="350000"/>
+              </a:schemeClr>
+            </a:gs>
+          </a:gsLst>
+          <a:lin ang="16200000" scaled="1"/>
+        </a:gradFill>
+        <a:gradFill rotWithShape="1">
+          <a:gsLst>
+            <a:gs pos="0">
+              <a:schemeClr val="phClr">
+                <a:tint val="100000"/>
+                <a:shade val="100000"/>
+                <a:satMod val="130000"/>
+              </a:schemeClr>
+            </a:gs>
+            <a:gs pos="100000">
+              <a:schemeClr val="phClr">
+                <a:tint val="50000"/>
+                <a:shade val="100000"/>
+                <a:satMod val="350000"/>
+              </a:schemeClr>
+            </a:gs>
+          </a:gsLst>
+          <a:lin ang="16200000" scaled="0"/>
+        </a:gradFill>
+      </a:fillStyleLst>
+      <a:lnStyleLst>
+        <a:ln w="9525" cap="flat" cmpd="sng" algn="ctr">
+          <a:solidFill>
+            <a:schemeClr val="phClr">
+              <a:shade val="95000"/>
+              <a:satMod val="105000"/>
+            </a:schemeClr>
+          </a:solidFill>
+          <a:prstDash val="solid"/>
+        </a:ln>
+        <a:ln w="25400" cap="flat" cmpd="sng" algn="ctr">
+          <a:solidFill>
+            <a:schemeClr val="phClr"/>
+          </a:solidFill>
+          <a:prstDash val="solid"/>
+        </a:ln>
+        <a:ln w="38100" cap="flat" cmpd="sng" algn="ctr">
+          <a:solidFill>
+            <a:schemeClr val="phClr"/>
+          </a:solidFill>
+          <a:prstDash val="solid"/>
+        </a:ln>
+      </a:lnStyleLst>
+      <a:effectStyleLst>
+        <a:effectStyle>
+          <a:effectLst>
+            <a:outerShdw blurRad="40000" dist="20000" dir="5400000" rotWithShape="0">
+              <a:srgbClr val="000000">
+                <a:alpha val="38000"/>
+              </a:srgbClr>
+            </a:outerShdw>
+          </a:effectLst>
+        </a:effectStyle>
+        <a:effectStyle>
+          <a:effectLst>
+            <a:outerShdw blurRad="40000" dist="23000" dir="5400000" rotWithShape="0">
+              <a:srgbClr val="000000">
+                <a:alpha val="35000"/>
+              </a:srgbClr>
+            </a:outerShdw>
+          </a:effectLst>
+        </a:effectStyle>
+        <a:effectStyle>
+          <a:effectLst>
+            <a:outerShdw blurRad="40000" dist="23000" dir="5400000" rotWithShape="0">
+              <a:srgbClr val="000000">
+                <a:alpha val="35000"/>
+              </a:srgbClr>
+            </a:outerShdw>
+          </a:effectLst>
+          <a:scene3d>
+            <a:camera prst="orthographicFront">
+              <a:rot lat="0" lon="0" rev="0"/>
+            </a:camera>
+            <a:lightRig rig="threePt" dir="t">
+              <a:rot lat="0" lon="0" rev="1200000"/>
+            </a:lightRig>
+          </a:scene3d>
+          <a:sp3d>
+            <a:bevelT w="63500" h="25400"/>
+          </a:sp3d>
+        </a:effectStyle>
+      </a:effectStyleLst>
+      <a:bgFillStyleLst>
+        <a:solidFill>
+          <a:schemeClr val="phClr"/>
+        </a:solidFill>
+        <a:gradFill rotWithShape="1">
+          <a:gsLst>
+            <a:gs pos="0">
+              <a:schemeClr val="phClr">
+                <a:tint val="40000"/>
+                <a:satMod val="350000"/>
+              </a:schemeClr>
+            </a:gs>
+            <a:gs pos="40000">
+              <a:schemeClr val="phClr">
+                <a:tint val="45000"/>
+                <a:shade val="99000"/>
+                <a:satMod val="350000"/>
+              </a:schemeClr>
+            </a:gs>
+            <a:gs pos="100000">
+              <a:schemeClr val="phClr">
+                <a:shade val="20000"/>
+                <a:satMod val="255000"/>
+              </a:schemeClr>
+            </a:gs>
+          </a:gsLst>
+          <a:path path="circle">
+            <a:fillToRect l="50000" t="-80000" r="50000" b="180000"/>
+          </a:path>
+        </a:gradFill>
+        <a:gradFill rotWithShape="1">
+          <a:gsLst>
+            <a:gs pos="0">
+              <a:schemeClr val="phClr">
+                <a:tint val="80000"/>
+                <a:satMod val="300000"/>
+              </a:schemeClr>
+            </a:gs>
+            <a:gs pos="100000">
+              <a:schemeClr val="phClr">
+                <a:shade val="30000"/>
+                <a:satMod val="200000"/>
+              </a:schemeClr>
+            </a:gs>
+          </a:gsLst>
+          <a:path path="circle">
+            <a:fillToRect l="50000" t="50000" r="50000" b="50000"/>
+          </a:path>
+        </a:gradFill>
+      </a:bgFillStyleLst>
+    </a:fmtScheme>
+  </a:themeElements>
+</a:theme>
+</file>
+
+<file path=ppt/theme/theme2.xml><?xml version="1.0" encoding="utf-8"?>
 <a:theme xmlns:a="http://schemas.openxmlformats.org/drawingml/2006/main" xmlns:r="http://schemas.openxmlformats.org/officeDocument/2006/relationships">
   <a:themeElements>
     <a:clrScheme name="Default">
@@ -14682,283 +16248,4 @@
     </a:fmtScheme>
   </a:themeElements>
 </a:theme>
-</file>
-
-<file path=ppt/theme/theme2.xml><?xml version="1.0" encoding="utf-8"?>
-<a:theme xmlns:a="http://schemas.openxmlformats.org/drawingml/2006/main" xmlns:r="http://schemas.openxmlformats.org/officeDocument/2006/relationships" name="Focus">
-  <a:themeElements>
-    <a:clrScheme name="Focus">
-      <a:dk1>
-        <a:srgbClr val="1B212C"/>
-      </a:dk1>
-      <a:lt1>
-        <a:srgbClr val="FFFFFF"/>
-      </a:lt1>
-      <a:dk2>
-        <a:srgbClr val="D9D9D9"/>
-      </a:dk2>
-      <a:lt2>
-        <a:srgbClr val="82C7A5"/>
-      </a:lt2>
-      <a:accent1>
-        <a:srgbClr val="0145AC"/>
-      </a:accent1>
-      <a:accent2>
-        <a:srgbClr val="EECE1A"/>
-      </a:accent2>
-      <a:accent3>
-        <a:srgbClr val="4E5567"/>
-      </a:accent3>
-      <a:accent4>
-        <a:srgbClr val="F4D6AD"/>
-      </a:accent4>
-      <a:accent5>
-        <a:srgbClr val="7890CD"/>
-      </a:accent5>
-      <a:accent6>
-        <a:srgbClr val="F15E22"/>
-      </a:accent6>
-      <a:hlink>
-        <a:srgbClr val="7890CD"/>
-      </a:hlink>
-      <a:folHlink>
-        <a:srgbClr val="7890CD"/>
-      </a:folHlink>
-    </a:clrScheme>
-    <a:fontScheme name="Office">
-      <a:majorFont>
-        <a:latin typeface="Arial"/>
-        <a:ea typeface=""/>
-        <a:cs typeface=""/>
-        <a:font script="Jpan" typeface="ＭＳ Ｐゴシック"/>
-        <a:font script="Hang" typeface="맑은 고딕"/>
-        <a:font script="Hans" typeface="宋体"/>
-        <a:font script="Hant" typeface="新細明體"/>
-        <a:font script="Arab" typeface="Times New Roman"/>
-        <a:font script="Hebr" typeface="Times New Roman"/>
-        <a:font script="Thai" typeface="Angsana New"/>
-        <a:font script="Ethi" typeface="Nyala"/>
-        <a:font script="Beng" typeface="Vrinda"/>
-        <a:font script="Gujr" typeface="Shruti"/>
-        <a:font script="Khmr" typeface="MoolBoran"/>
-        <a:font script="Knda" typeface="Tunga"/>
-        <a:font script="Guru" typeface="Raavi"/>
-        <a:font script="Cans" typeface="Euphemia"/>
-        <a:font script="Cher" typeface="Plantagenet Cherokee"/>
-        <a:font script="Yiii" typeface="Microsoft Yi Baiti"/>
-        <a:font script="Tibt" typeface="Microsoft Himalaya"/>
-        <a:font script="Thaa" typeface="MV Boli"/>
-        <a:font script="Deva" typeface="Mangal"/>
-        <a:font script="Telu" typeface="Gautami"/>
-        <a:font script="Taml" typeface="Latha"/>
-        <a:font script="Syrc" typeface="Estrangelo Edessa"/>
-        <a:font script="Orya" typeface="Kalinga"/>
-        <a:font script="Mlym" typeface="Kartika"/>
-        <a:font script="Laoo" typeface="DokChampa"/>
-        <a:font script="Sinh" typeface="Iskoola Pota"/>
-        <a:font script="Mong" typeface="Mongolian Baiti"/>
-        <a:font script="Viet" typeface="Times New Roman"/>
-        <a:font script="Uigh" typeface="Microsoft Uighur"/>
-        <a:font script="Geor" typeface="Sylfaen"/>
-      </a:majorFont>
-      <a:minorFont>
-        <a:latin typeface="Arial"/>
-        <a:ea typeface=""/>
-        <a:cs typeface=""/>
-        <a:font script="Jpan" typeface="ＭＳ Ｐゴシック"/>
-        <a:font script="Hang" typeface="맑은 고딕"/>
-        <a:font script="Hans" typeface="宋体"/>
-        <a:font script="Hant" typeface="新細明體"/>
-        <a:font script="Arab" typeface="Arial"/>
-        <a:font script="Hebr" typeface="Arial"/>
-        <a:font script="Thai" typeface="Cordia New"/>
-        <a:font script="Ethi" typeface="Nyala"/>
-        <a:font script="Beng" typeface="Vrinda"/>
-        <a:font script="Gujr" typeface="Shruti"/>
-        <a:font script="Khmr" typeface="DaunPenh"/>
-        <a:font script="Knda" typeface="Tunga"/>
-        <a:font script="Guru" typeface="Raavi"/>
-        <a:font script="Cans" typeface="Euphemia"/>
-        <a:font script="Cher" typeface="Plantagenet Cherokee"/>
-        <a:font script="Yiii" typeface="Microsoft Yi Baiti"/>
-        <a:font script="Tibt" typeface="Microsoft Himalaya"/>
-        <a:font script="Thaa" typeface="MV Boli"/>
-        <a:font script="Deva" typeface="Mangal"/>
-        <a:font script="Telu" typeface="Gautami"/>
-        <a:font script="Taml" typeface="Latha"/>
-        <a:font script="Syrc" typeface="Estrangelo Edessa"/>
-        <a:font script="Orya" typeface="Kalinga"/>
-        <a:font script="Mlym" typeface="Kartika"/>
-        <a:font script="Laoo" typeface="DokChampa"/>
-        <a:font script="Sinh" typeface="Iskoola Pota"/>
-        <a:font script="Mong" typeface="Mongolian Baiti"/>
-        <a:font script="Viet" typeface="Arial"/>
-        <a:font script="Uigh" typeface="Microsoft Uighur"/>
-        <a:font script="Geor" typeface="Sylfaen"/>
-      </a:minorFont>
-    </a:fontScheme>
-    <a:fmtScheme name="Office">
-      <a:fillStyleLst>
-        <a:solidFill>
-          <a:schemeClr val="phClr"/>
-        </a:solidFill>
-        <a:gradFill rotWithShape="1">
-          <a:gsLst>
-            <a:gs pos="0">
-              <a:schemeClr val="phClr">
-                <a:tint val="50000"/>
-                <a:satMod val="300000"/>
-              </a:schemeClr>
-            </a:gs>
-            <a:gs pos="35000">
-              <a:schemeClr val="phClr">
-                <a:tint val="37000"/>
-                <a:satMod val="300000"/>
-              </a:schemeClr>
-            </a:gs>
-            <a:gs pos="100000">
-              <a:schemeClr val="phClr">
-                <a:tint val="15000"/>
-                <a:satMod val="350000"/>
-              </a:schemeClr>
-            </a:gs>
-          </a:gsLst>
-          <a:lin ang="16200000" scaled="1"/>
-        </a:gradFill>
-        <a:gradFill rotWithShape="1">
-          <a:gsLst>
-            <a:gs pos="0">
-              <a:schemeClr val="phClr">
-                <a:tint val="100000"/>
-                <a:shade val="100000"/>
-                <a:satMod val="130000"/>
-              </a:schemeClr>
-            </a:gs>
-            <a:gs pos="100000">
-              <a:schemeClr val="phClr">
-                <a:tint val="50000"/>
-                <a:shade val="100000"/>
-                <a:satMod val="350000"/>
-              </a:schemeClr>
-            </a:gs>
-          </a:gsLst>
-          <a:lin ang="16200000" scaled="0"/>
-        </a:gradFill>
-      </a:fillStyleLst>
-      <a:lnStyleLst>
-        <a:ln w="9525" cap="flat" cmpd="sng" algn="ctr">
-          <a:solidFill>
-            <a:schemeClr val="phClr">
-              <a:shade val="95000"/>
-              <a:satMod val="105000"/>
-            </a:schemeClr>
-          </a:solidFill>
-          <a:prstDash val="solid"/>
-        </a:ln>
-        <a:ln w="25400" cap="flat" cmpd="sng" algn="ctr">
-          <a:solidFill>
-            <a:schemeClr val="phClr"/>
-          </a:solidFill>
-          <a:prstDash val="solid"/>
-        </a:ln>
-        <a:ln w="38100" cap="flat" cmpd="sng" algn="ctr">
-          <a:solidFill>
-            <a:schemeClr val="phClr"/>
-          </a:solidFill>
-          <a:prstDash val="solid"/>
-        </a:ln>
-      </a:lnStyleLst>
-      <a:effectStyleLst>
-        <a:effectStyle>
-          <a:effectLst>
-            <a:outerShdw blurRad="40000" dist="20000" dir="5400000" rotWithShape="0">
-              <a:srgbClr val="000000">
-                <a:alpha val="38000"/>
-              </a:srgbClr>
-            </a:outerShdw>
-          </a:effectLst>
-        </a:effectStyle>
-        <a:effectStyle>
-          <a:effectLst>
-            <a:outerShdw blurRad="40000" dist="23000" dir="5400000" rotWithShape="0">
-              <a:srgbClr val="000000">
-                <a:alpha val="35000"/>
-              </a:srgbClr>
-            </a:outerShdw>
-          </a:effectLst>
-        </a:effectStyle>
-        <a:effectStyle>
-          <a:effectLst>
-            <a:outerShdw blurRad="40000" dist="23000" dir="5400000" rotWithShape="0">
-              <a:srgbClr val="000000">
-                <a:alpha val="35000"/>
-              </a:srgbClr>
-            </a:outerShdw>
-          </a:effectLst>
-          <a:scene3d>
-            <a:camera prst="orthographicFront">
-              <a:rot lat="0" lon="0" rev="0"/>
-            </a:camera>
-            <a:lightRig rig="threePt" dir="t">
-              <a:rot lat="0" lon="0" rev="1200000"/>
-            </a:lightRig>
-          </a:scene3d>
-          <a:sp3d>
-            <a:bevelT w="63500" h="25400"/>
-          </a:sp3d>
-        </a:effectStyle>
-      </a:effectStyleLst>
-      <a:bgFillStyleLst>
-        <a:solidFill>
-          <a:schemeClr val="phClr"/>
-        </a:solidFill>
-        <a:gradFill rotWithShape="1">
-          <a:gsLst>
-            <a:gs pos="0">
-              <a:schemeClr val="phClr">
-                <a:tint val="40000"/>
-                <a:satMod val="350000"/>
-              </a:schemeClr>
-            </a:gs>
-            <a:gs pos="40000">
-              <a:schemeClr val="phClr">
-                <a:tint val="45000"/>
-                <a:shade val="99000"/>
-                <a:satMod val="350000"/>
-              </a:schemeClr>
-            </a:gs>
-            <a:gs pos="100000">
-              <a:schemeClr val="phClr">
-                <a:shade val="20000"/>
-                <a:satMod val="255000"/>
-              </a:schemeClr>
-            </a:gs>
-          </a:gsLst>
-          <a:path path="circle">
-            <a:fillToRect l="50000" t="-80000" r="50000" b="180000"/>
-          </a:path>
-        </a:gradFill>
-        <a:gradFill rotWithShape="1">
-          <a:gsLst>
-            <a:gs pos="0">
-              <a:schemeClr val="phClr">
-                <a:tint val="80000"/>
-                <a:satMod val="300000"/>
-              </a:schemeClr>
-            </a:gs>
-            <a:gs pos="100000">
-              <a:schemeClr val="phClr">
-                <a:shade val="30000"/>
-                <a:satMod val="200000"/>
-              </a:schemeClr>
-            </a:gs>
-          </a:gsLst>
-          <a:path path="circle">
-            <a:fillToRect l="50000" t="50000" r="50000" b="50000"/>
-          </a:path>
-        </a:gradFill>
-      </a:bgFillStyleLst>
-    </a:fmtScheme>
-  </a:themeElements>
-</a:theme>
 </file>